--- a/figures/compilerarchitecture-code.pptx
+++ b/figures/compilerarchitecture-code.pptx
@@ -243,7 +243,7 @@
           <a:p>
             <a:fld id="{78D058AD-E3D9-4ECE-9B93-51BC760EEC8A}" type="datetimeFigureOut">
               <a:rPr lang="fr-FR" smtClean="0"/>
-              <a:t>10/12/2016</a:t>
+              <a:t>15/12/2016</a:t>
             </a:fld>
             <a:endParaRPr lang="fr-FR"/>
           </a:p>
@@ -413,7 +413,7 @@
           <a:p>
             <a:fld id="{78D058AD-E3D9-4ECE-9B93-51BC760EEC8A}" type="datetimeFigureOut">
               <a:rPr lang="fr-FR" smtClean="0"/>
-              <a:t>10/12/2016</a:t>
+              <a:t>15/12/2016</a:t>
             </a:fld>
             <a:endParaRPr lang="fr-FR"/>
           </a:p>
@@ -593,7 +593,7 @@
           <a:p>
             <a:fld id="{78D058AD-E3D9-4ECE-9B93-51BC760EEC8A}" type="datetimeFigureOut">
               <a:rPr lang="fr-FR" smtClean="0"/>
-              <a:t>10/12/2016</a:t>
+              <a:t>15/12/2016</a:t>
             </a:fld>
             <a:endParaRPr lang="fr-FR"/>
           </a:p>
@@ -763,7 +763,7 @@
           <a:p>
             <a:fld id="{78D058AD-E3D9-4ECE-9B93-51BC760EEC8A}" type="datetimeFigureOut">
               <a:rPr lang="fr-FR" smtClean="0"/>
-              <a:t>10/12/2016</a:t>
+              <a:t>15/12/2016</a:t>
             </a:fld>
             <a:endParaRPr lang="fr-FR"/>
           </a:p>
@@ -1009,7 +1009,7 @@
           <a:p>
             <a:fld id="{78D058AD-E3D9-4ECE-9B93-51BC760EEC8A}" type="datetimeFigureOut">
               <a:rPr lang="fr-FR" smtClean="0"/>
-              <a:t>10/12/2016</a:t>
+              <a:t>15/12/2016</a:t>
             </a:fld>
             <a:endParaRPr lang="fr-FR"/>
           </a:p>
@@ -1241,7 +1241,7 @@
           <a:p>
             <a:fld id="{78D058AD-E3D9-4ECE-9B93-51BC760EEC8A}" type="datetimeFigureOut">
               <a:rPr lang="fr-FR" smtClean="0"/>
-              <a:t>10/12/2016</a:t>
+              <a:t>15/12/2016</a:t>
             </a:fld>
             <a:endParaRPr lang="fr-FR"/>
           </a:p>
@@ -1608,7 +1608,7 @@
           <a:p>
             <a:fld id="{78D058AD-E3D9-4ECE-9B93-51BC760EEC8A}" type="datetimeFigureOut">
               <a:rPr lang="fr-FR" smtClean="0"/>
-              <a:t>10/12/2016</a:t>
+              <a:t>15/12/2016</a:t>
             </a:fld>
             <a:endParaRPr lang="fr-FR"/>
           </a:p>
@@ -1726,7 +1726,7 @@
           <a:p>
             <a:fld id="{78D058AD-E3D9-4ECE-9B93-51BC760EEC8A}" type="datetimeFigureOut">
               <a:rPr lang="fr-FR" smtClean="0"/>
-              <a:t>10/12/2016</a:t>
+              <a:t>15/12/2016</a:t>
             </a:fld>
             <a:endParaRPr lang="fr-FR"/>
           </a:p>
@@ -1821,7 +1821,7 @@
           <a:p>
             <a:fld id="{78D058AD-E3D9-4ECE-9B93-51BC760EEC8A}" type="datetimeFigureOut">
               <a:rPr lang="fr-FR" smtClean="0"/>
-              <a:t>10/12/2016</a:t>
+              <a:t>15/12/2016</a:t>
             </a:fld>
             <a:endParaRPr lang="fr-FR"/>
           </a:p>
@@ -2098,7 +2098,7 @@
           <a:p>
             <a:fld id="{78D058AD-E3D9-4ECE-9B93-51BC760EEC8A}" type="datetimeFigureOut">
               <a:rPr lang="fr-FR" smtClean="0"/>
-              <a:t>10/12/2016</a:t>
+              <a:t>15/12/2016</a:t>
             </a:fld>
             <a:endParaRPr lang="fr-FR"/>
           </a:p>
@@ -2351,7 +2351,7 @@
           <a:p>
             <a:fld id="{78D058AD-E3D9-4ECE-9B93-51BC760EEC8A}" type="datetimeFigureOut">
               <a:rPr lang="fr-FR" smtClean="0"/>
-              <a:t>10/12/2016</a:t>
+              <a:t>15/12/2016</a:t>
             </a:fld>
             <a:endParaRPr lang="fr-FR"/>
           </a:p>
@@ -2564,7 +2564,7 @@
           <a:p>
             <a:fld id="{78D058AD-E3D9-4ECE-9B93-51BC760EEC8A}" type="datetimeFigureOut">
               <a:rPr lang="fr-FR" smtClean="0"/>
-              <a:t>10/12/2016</a:t>
+              <a:t>15/12/2016</a:t>
             </a:fld>
             <a:endParaRPr lang="fr-FR"/>
           </a:p>
@@ -3146,15 +3146,7 @@
                       <a:schemeClr val="tx1"/>
                     </a:solidFill>
                   </a:rPr>
-                  <a:t>Behavior code </a:t>
-                </a:r>
-                <a:r>
-                  <a:rPr lang="en-US" sz="1600" smtClean="0">
-                    <a:solidFill>
-                      <a:schemeClr val="tx1"/>
-                    </a:solidFill>
-                  </a:rPr>
-                  <a:t>transformation</a:t>
+                  <a:t>Behavior code transformation</a:t>
                 </a:r>
                 <a:endParaRPr lang="fr-FR" sz="1600">
                   <a:solidFill>
@@ -3208,7 +3200,7 @@
                     <a:schemeClr val="tx1"/>
                   </a:solidFill>
                 </a:rPr>
-                <a:t>Intermediate code</a:t>
+                <a:t>Extended code</a:t>
               </a:r>
               <a:endParaRPr lang="fr-FR" sz="1600">
                 <a:solidFill>
